--- a/hnuthesis_master_v4.0/ppt/答辩2.0.pptx
+++ b/hnuthesis_master_v4.0/ppt/答辩2.0.pptx
@@ -926,24 +926,9 @@
           <a:lstStyle/>
           <a:p>
             <a:r>
-              <a:rPr lang="en-US" dirty="0" smtClean="0"/>
-              <a:t>4</a:t>
-            </a:r>
-            <a:r>
-              <a:rPr lang="en-US" baseline="0" dirty="0" smtClean="0"/>
-              <a:t> 2</a:t>
-            </a:r>
-          </a:p>
-          <a:p>
-            <a:r>
-              <a:rPr lang="en-US" baseline="0" dirty="0" smtClean="0"/>
-              <a:t>4 8</a:t>
-            </a:r>
-          </a:p>
-          <a:p>
-            <a:endParaRPr lang="en-US" baseline="0" dirty="0" smtClean="0"/>
-          </a:p>
-          <a:p>
+              <a:rPr lang="zh-CN" altLang="en-US" dirty="0" smtClean="0"/>
+              <a:t>子问题数小</a:t>
+            </a:r>
             <a:endParaRPr lang="en-GB" dirty="0"/>
           </a:p>
         </p:txBody>
@@ -965,13 +950,18 @@
           <a:p>
             <a:fld id="{85DC11DC-A9BB-4F6B-8EAB-906BFBD36D94}" type="slidenum">
               <a:rPr lang="zh-CN" altLang="en-US" smtClean="0"/>
-              <a:t>15</a:t>
+              <a:t>14</a:t>
             </a:fld>
             <a:endParaRPr lang="zh-CN" altLang="en-US"/>
           </a:p>
         </p:txBody>
       </p:sp>
     </p:spTree>
+    <p:extLst>
+      <p:ext uri="{BB962C8B-B14F-4D97-AF65-F5344CB8AC3E}">
+        <p14:creationId xmlns:p14="http://schemas.microsoft.com/office/powerpoint/2010/main" val="3607476024"/>
+      </p:ext>
+    </p:extLst>
   </p:cSld>
   <p:clrMapOvr>
     <a:masterClrMapping/>
@@ -1023,7 +1013,26 @@
           <a:bodyPr/>
           <a:lstStyle/>
           <a:p>
-            <a:endParaRPr lang="zh-CN" altLang="en-GB" dirty="0"/>
+            <a:r>
+              <a:rPr lang="en-US" dirty="0" smtClean="0"/>
+              <a:t>4</a:t>
+            </a:r>
+            <a:r>
+              <a:rPr lang="en-US" baseline="0" dirty="0" smtClean="0"/>
+              <a:t> 2</a:t>
+            </a:r>
+          </a:p>
+          <a:p>
+            <a:r>
+              <a:rPr lang="en-US" baseline="0" dirty="0" smtClean="0"/>
+              <a:t>4 8</a:t>
+            </a:r>
+          </a:p>
+          <a:p>
+            <a:endParaRPr lang="en-US" baseline="0" dirty="0" smtClean="0"/>
+          </a:p>
+          <a:p>
+            <a:endParaRPr lang="en-GB" dirty="0"/>
           </a:p>
         </p:txBody>
       </p:sp>
@@ -1044,7 +1053,7 @@
           <a:p>
             <a:fld id="{85DC11DC-A9BB-4F6B-8EAB-906BFBD36D94}" type="slidenum">
               <a:rPr lang="zh-CN" altLang="en-US" smtClean="0"/>
-              <a:t>16</a:t>
+              <a:t>15</a:t>
             </a:fld>
             <a:endParaRPr lang="zh-CN" altLang="en-US"/>
           </a:p>
@@ -1102,41 +1111,7 @@
           <a:bodyPr/>
           <a:lstStyle/>
           <a:p>
-            <a:r>
-              <a:rPr lang="en-US" altLang="zh-CN" dirty="0" smtClean="0"/>
-              <a:t>NP-hard</a:t>
-            </a:r>
-          </a:p>
-          <a:p>
-            <a:r>
-              <a:rPr lang="zh-CN" altLang="en-US" dirty="0" smtClean="0"/>
-              <a:t>线性规划优化</a:t>
-            </a:r>
-            <a:endParaRPr lang="en-US" altLang="zh-CN" dirty="0" smtClean="0"/>
-          </a:p>
-          <a:p>
-            <a:r>
-              <a:rPr lang="zh-CN" altLang="en-US" dirty="0" smtClean="0"/>
-              <a:t>求解器，求解不出。</a:t>
-            </a:r>
-            <a:endParaRPr lang="en-US" altLang="zh-CN" dirty="0" smtClean="0"/>
-          </a:p>
-          <a:p>
-            <a:endParaRPr lang="en-US" altLang="zh-CN" dirty="0" smtClean="0"/>
-          </a:p>
-          <a:p>
-            <a:r>
-              <a:rPr lang="zh-CN" altLang="en-US" dirty="0" smtClean="0"/>
-              <a:t>涉及到节点功能类型，特定的节点映射</a:t>
-            </a:r>
-            <a:endParaRPr lang="en-US" altLang="zh-CN" dirty="0" smtClean="0"/>
-          </a:p>
-          <a:p>
-            <a:r>
-              <a:rPr lang="zh-CN" altLang="en-US" dirty="0" smtClean="0"/>
-              <a:t>会增加资源的。考虑节点资源优先</a:t>
-            </a:r>
-            <a:endParaRPr lang="en-GB" dirty="0"/>
+            <a:endParaRPr lang="zh-CN" altLang="en-GB" dirty="0"/>
           </a:p>
         </p:txBody>
       </p:sp>
@@ -1157,7 +1132,7 @@
           <a:p>
             <a:fld id="{85DC11DC-A9BB-4F6B-8EAB-906BFBD36D94}" type="slidenum">
               <a:rPr lang="zh-CN" altLang="en-US" smtClean="0"/>
-              <a:t>17</a:t>
+              <a:t>16</a:t>
             </a:fld>
             <a:endParaRPr lang="zh-CN" altLang="en-US"/>
           </a:p>
@@ -1215,81 +1190,39 @@
           <a:bodyPr/>
           <a:lstStyle/>
           <a:p>
-            <a:pPr marL="285750" indent="-285750">
-              <a:buFont typeface="Wingdings" panose="05000000000000000000" pitchFamily="2" charset="2"/>
-              <a:buChar char="v"/>
-            </a:pPr>
-            <a:r>
-              <a:rPr lang="zh-CN" altLang="en-US" sz="1200" dirty="0" smtClean="0"/>
-              <a:t>保证</a:t>
-            </a:r>
-            <a:r>
-              <a:rPr lang="zh-CN" altLang="en-US" sz="1800" b="1" dirty="0" smtClean="0"/>
-              <a:t>局部</a:t>
-            </a:r>
-            <a:r>
-              <a:rPr lang="zh-CN" altLang="en-US" sz="1200" dirty="0" smtClean="0"/>
-              <a:t>拓扑结构来保证全局拓扑结构，提出分解原图的方法</a:t>
-            </a:r>
-            <a:endParaRPr lang="en-US" altLang="zh-CN" sz="1200" dirty="0" smtClean="0"/>
-          </a:p>
-          <a:p>
-            <a:pPr marL="285750" indent="-285750">
-              <a:buFont typeface="Wingdings" panose="05000000000000000000" pitchFamily="2" charset="2"/>
-              <a:buChar char="v"/>
-            </a:pPr>
-            <a:r>
-              <a:rPr lang="zh-CN" altLang="en-US" sz="1200" dirty="0" smtClean="0"/>
-              <a:t>设置匹配的权值</a:t>
-            </a:r>
-            <a:r>
-              <a:rPr lang="en-US" altLang="zh-CN" sz="1600" dirty="0" smtClean="0"/>
-              <a:t>,</a:t>
-            </a:r>
-            <a:r>
-              <a:rPr lang="zh-CN" altLang="en-US" sz="1600" b="1" dirty="0" smtClean="0"/>
-              <a:t>协调</a:t>
-            </a:r>
-            <a:r>
-              <a:rPr lang="zh-CN" altLang="en-US" sz="1200" dirty="0" smtClean="0"/>
-              <a:t>先后故障物理节点所导致的资源增广</a:t>
-            </a:r>
-            <a:endParaRPr lang="en-US" altLang="zh-CN" sz="1200" dirty="0" smtClean="0"/>
-          </a:p>
-          <a:p>
-            <a:pPr marL="285750" indent="-285750">
-              <a:buFont typeface="Wingdings" panose="05000000000000000000" pitchFamily="2" charset="2"/>
-              <a:buChar char="v"/>
-            </a:pPr>
-            <a:r>
-              <a:rPr lang="zh-CN" altLang="en-US" sz="1200" dirty="0" smtClean="0"/>
-              <a:t>通过</a:t>
-            </a:r>
-            <a:r>
-              <a:rPr lang="zh-CN" altLang="en-US" sz="1600" b="1" dirty="0" smtClean="0"/>
-              <a:t>动态规划</a:t>
-            </a:r>
-            <a:r>
-              <a:rPr lang="zh-CN" altLang="en-US" sz="1200" dirty="0" smtClean="0"/>
-              <a:t>来实现节点的映射</a:t>
-            </a:r>
-            <a:endParaRPr lang="en-GB" sz="1200" dirty="0" smtClean="0"/>
-          </a:p>
-          <a:p>
+            <a:r>
+              <a:rPr lang="en-US" altLang="zh-CN" dirty="0" smtClean="0"/>
+              <a:t>NP-hard</a:t>
+            </a:r>
+          </a:p>
+          <a:p>
+            <a:r>
+              <a:rPr lang="zh-CN" altLang="en-US" dirty="0" smtClean="0"/>
+              <a:t>线性规划优化</a:t>
+            </a:r>
             <a:endParaRPr lang="en-US" altLang="zh-CN" dirty="0" smtClean="0"/>
           </a:p>
           <a:p>
             <a:r>
               <a:rPr lang="zh-CN" altLang="en-US" dirty="0" smtClean="0"/>
-              <a:t>二</a:t>
-            </a:r>
+              <a:t>求解器，求解不出。</a:t>
+            </a:r>
+            <a:endParaRPr lang="en-US" altLang="zh-CN" dirty="0" smtClean="0"/>
+          </a:p>
+          <a:p>
+            <a:endParaRPr lang="en-US" altLang="zh-CN" dirty="0" smtClean="0"/>
+          </a:p>
+          <a:p>
             <a:r>
               <a:rPr lang="zh-CN" altLang="en-US" dirty="0" smtClean="0"/>
-              <a:t>分图边的权重，增加</a:t>
-            </a:r>
+              <a:t>涉及到节点功能类型，特定的节点映射</a:t>
+            </a:r>
+            <a:endParaRPr lang="en-US" altLang="zh-CN" dirty="0" smtClean="0"/>
+          </a:p>
+          <a:p>
             <a:r>
               <a:rPr lang="zh-CN" altLang="en-US" dirty="0" smtClean="0"/>
-              <a:t>的点，边，前面故障点相关</a:t>
+              <a:t>会增加资源的。考虑节点资源优先</a:t>
             </a:r>
             <a:endParaRPr lang="en-GB" dirty="0"/>
           </a:p>
@@ -1312,7 +1245,7 @@
           <a:p>
             <a:fld id="{85DC11DC-A9BB-4F6B-8EAB-906BFBD36D94}" type="slidenum">
               <a:rPr lang="zh-CN" altLang="en-US" smtClean="0"/>
-              <a:t>18</a:t>
+              <a:t>17</a:t>
             </a:fld>
             <a:endParaRPr lang="zh-CN" altLang="en-US"/>
           </a:p>
@@ -1370,16 +1303,73 @@
           <a:bodyPr/>
           <a:lstStyle/>
           <a:p>
+            <a:pPr marL="285750" indent="-285750">
+              <a:buFont typeface="Wingdings" panose="05000000000000000000" pitchFamily="2" charset="2"/>
+              <a:buChar char="v"/>
+            </a:pPr>
+            <a:r>
+              <a:rPr lang="zh-CN" altLang="en-US" sz="1200" dirty="0" smtClean="0"/>
+              <a:t>保证</a:t>
+            </a:r>
+            <a:r>
+              <a:rPr lang="zh-CN" altLang="en-US" sz="1800" b="1" dirty="0" smtClean="0"/>
+              <a:t>局部</a:t>
+            </a:r>
+            <a:r>
+              <a:rPr lang="zh-CN" altLang="en-US" sz="1200" dirty="0" smtClean="0"/>
+              <a:t>拓扑结构来保证全局拓扑结构，提出分解原图的方法</a:t>
+            </a:r>
+            <a:endParaRPr lang="en-US" altLang="zh-CN" sz="1200" dirty="0" smtClean="0"/>
+          </a:p>
+          <a:p>
+            <a:pPr marL="285750" indent="-285750">
+              <a:buFont typeface="Wingdings" panose="05000000000000000000" pitchFamily="2" charset="2"/>
+              <a:buChar char="v"/>
+            </a:pPr>
+            <a:r>
+              <a:rPr lang="zh-CN" altLang="en-US" sz="1200" dirty="0" smtClean="0"/>
+              <a:t>设置匹配的权值</a:t>
+            </a:r>
+            <a:r>
+              <a:rPr lang="en-US" altLang="zh-CN" sz="1600" dirty="0" smtClean="0"/>
+              <a:t>,</a:t>
+            </a:r>
+            <a:r>
+              <a:rPr lang="zh-CN" altLang="en-US" sz="1600" b="1" dirty="0" smtClean="0"/>
+              <a:t>协调</a:t>
+            </a:r>
+            <a:r>
+              <a:rPr lang="zh-CN" altLang="en-US" sz="1200" dirty="0" smtClean="0"/>
+              <a:t>先后故障物理节点所导致的资源增广</a:t>
+            </a:r>
+            <a:endParaRPr lang="en-US" altLang="zh-CN" sz="1200" dirty="0" smtClean="0"/>
+          </a:p>
+          <a:p>
+            <a:pPr marL="285750" indent="-285750">
+              <a:buFont typeface="Wingdings" panose="05000000000000000000" pitchFamily="2" charset="2"/>
+              <a:buChar char="v"/>
+            </a:pPr>
+            <a:r>
+              <a:rPr lang="zh-CN" altLang="en-US" sz="1200" dirty="0" smtClean="0"/>
+              <a:t>通过</a:t>
+            </a:r>
+            <a:r>
+              <a:rPr lang="zh-CN" altLang="en-US" sz="1600" b="1" dirty="0" smtClean="0"/>
+              <a:t>动态规划</a:t>
+            </a:r>
+            <a:r>
+              <a:rPr lang="zh-CN" altLang="en-US" sz="1200" dirty="0" smtClean="0"/>
+              <a:t>来实现节点的映射</a:t>
+            </a:r>
+            <a:endParaRPr lang="en-GB" sz="1200" dirty="0" smtClean="0"/>
+          </a:p>
+          <a:p>
+            <a:endParaRPr lang="en-US" altLang="zh-CN" dirty="0" smtClean="0"/>
+          </a:p>
+          <a:p>
             <a:r>
               <a:rPr lang="zh-CN" altLang="en-US" dirty="0" smtClean="0"/>
-              <a:t>空间换时间</a:t>
-            </a:r>
-            <a:endParaRPr lang="en-US" altLang="zh-CN" dirty="0" smtClean="0"/>
-          </a:p>
-          <a:p>
-            <a:r>
-              <a:rPr lang="zh-CN" altLang="en-US" dirty="0" smtClean="0"/>
-              <a:t>滚动数组，压缩空间，优化空间</a:t>
+              <a:t>二分图边的权重，增加的点，边，前面故障点相关</a:t>
             </a:r>
             <a:endParaRPr lang="en-GB" dirty="0"/>
           </a:p>
@@ -1402,7 +1392,7 @@
           <a:p>
             <a:fld id="{85DC11DC-A9BB-4F6B-8EAB-906BFBD36D94}" type="slidenum">
               <a:rPr lang="zh-CN" altLang="en-US" smtClean="0"/>
-              <a:t>19</a:t>
+              <a:t>18</a:t>
             </a:fld>
             <a:endParaRPr lang="zh-CN" altLang="en-US"/>
           </a:p>
@@ -1460,6 +1450,17 @@
           <a:bodyPr/>
           <a:lstStyle/>
           <a:p>
+            <a:r>
+              <a:rPr lang="zh-CN" altLang="en-US" dirty="0" smtClean="0"/>
+              <a:t>空间换时间</a:t>
+            </a:r>
+            <a:endParaRPr lang="en-US" altLang="zh-CN" dirty="0" smtClean="0"/>
+          </a:p>
+          <a:p>
+            <a:r>
+              <a:rPr lang="zh-CN" altLang="en-US" dirty="0" smtClean="0"/>
+              <a:t>滚动数组，压缩空间，优化空间</a:t>
+            </a:r>
             <a:endParaRPr lang="en-GB" dirty="0"/>
           </a:p>
         </p:txBody>
@@ -1481,7 +1482,7 @@
           <a:p>
             <a:fld id="{85DC11DC-A9BB-4F6B-8EAB-906BFBD36D94}" type="slidenum">
               <a:rPr lang="zh-CN" altLang="en-US" smtClean="0"/>
-              <a:t>20</a:t>
+              <a:t>19</a:t>
             </a:fld>
             <a:endParaRPr lang="zh-CN" altLang="en-US"/>
           </a:p>
@@ -1560,18 +1561,13 @@
           <a:p>
             <a:fld id="{85DC11DC-A9BB-4F6B-8EAB-906BFBD36D94}" type="slidenum">
               <a:rPr lang="zh-CN" altLang="en-US" smtClean="0"/>
-              <a:t>21</a:t>
+              <a:t>20</a:t>
             </a:fld>
             <a:endParaRPr lang="zh-CN" altLang="en-US"/>
           </a:p>
         </p:txBody>
       </p:sp>
     </p:spTree>
-    <p:extLst>
-      <p:ext uri="{BB962C8B-B14F-4D97-AF65-F5344CB8AC3E}">
-        <p14:creationId xmlns:p14="http://schemas.microsoft.com/office/powerpoint/2010/main" val="669315058"/>
-      </p:ext>
-    </p:extLst>
   </p:cSld>
   <p:clrMapOvr>
     <a:masterClrMapping/>
@@ -1639,11 +1635,7 @@
             </a:r>
             <a:r>
               <a:rPr lang="en-US" altLang="zh-CN" baseline="0" dirty="0" smtClean="0"/>
-              <a:t> </a:t>
-            </a:r>
-            <a:r>
-              <a:rPr lang="en-US" altLang="zh-CN" baseline="0" dirty="0" smtClean="0"/>
-              <a:t>2008 </a:t>
+              <a:t> 2008 </a:t>
             </a:r>
             <a:r>
               <a:rPr lang="en-US" altLang="zh-CN" baseline="0" dirty="0" err="1" smtClean="0"/>
@@ -1793,13 +1785,7 @@
           <a:bodyPr/>
           <a:lstStyle/>
           <a:p>
-            <a:r>
-              <a:rPr lang="en-US" altLang="zh-CN" dirty="0" smtClean="0"/>
-              <a:t>EMCP</a:t>
-            </a:r>
-          </a:p>
-          <a:p>
-            <a:endParaRPr lang="zh-CN" altLang="en-US" dirty="0"/>
+            <a:endParaRPr lang="en-GB" dirty="0"/>
           </a:p>
         </p:txBody>
       </p:sp>
@@ -1820,7 +1806,7 @@
           <a:p>
             <a:fld id="{85DC11DC-A9BB-4F6B-8EAB-906BFBD36D94}" type="slidenum">
               <a:rPr lang="zh-CN" altLang="en-US" smtClean="0"/>
-              <a:t>22</a:t>
+              <a:t>21</a:t>
             </a:fld>
             <a:endParaRPr lang="zh-CN" altLang="en-US"/>
           </a:p>
@@ -1829,7 +1815,7 @@
     </p:spTree>
     <p:extLst>
       <p:ext uri="{BB962C8B-B14F-4D97-AF65-F5344CB8AC3E}">
-        <p14:creationId xmlns:p14="http://schemas.microsoft.com/office/powerpoint/2010/main" val="2458090304"/>
+        <p14:creationId xmlns:p14="http://schemas.microsoft.com/office/powerpoint/2010/main" val="669315058"/>
       </p:ext>
     </p:extLst>
   </p:cSld>
@@ -1910,7 +1896,7 @@
           <a:p>
             <a:fld id="{85DC11DC-A9BB-4F6B-8EAB-906BFBD36D94}" type="slidenum">
               <a:rPr lang="zh-CN" altLang="en-US" smtClean="0"/>
-              <a:t>23</a:t>
+              <a:t>22</a:t>
             </a:fld>
             <a:endParaRPr lang="zh-CN" altLang="en-US"/>
           </a:p>
@@ -1919,7 +1905,7 @@
     </p:spTree>
     <p:extLst>
       <p:ext uri="{BB962C8B-B14F-4D97-AF65-F5344CB8AC3E}">
-        <p14:creationId xmlns:p14="http://schemas.microsoft.com/office/powerpoint/2010/main" val="2291699078"/>
+        <p14:creationId xmlns:p14="http://schemas.microsoft.com/office/powerpoint/2010/main" val="2458090304"/>
       </p:ext>
     </p:extLst>
   </p:cSld>
@@ -1973,7 +1959,13 @@
           <a:bodyPr/>
           <a:lstStyle/>
           <a:p>
-            <a:endParaRPr lang="en-GB" dirty="0"/>
+            <a:r>
+              <a:rPr lang="en-US" altLang="zh-CN" dirty="0" smtClean="0"/>
+              <a:t>EMCP</a:t>
+            </a:r>
+          </a:p>
+          <a:p>
+            <a:endParaRPr lang="zh-CN" altLang="en-US" dirty="0"/>
           </a:p>
         </p:txBody>
       </p:sp>
@@ -1994,7 +1986,7 @@
           <a:p>
             <a:fld id="{85DC11DC-A9BB-4F6B-8EAB-906BFBD36D94}" type="slidenum">
               <a:rPr lang="zh-CN" altLang="en-US" smtClean="0"/>
-              <a:t>24</a:t>
+              <a:t>23</a:t>
             </a:fld>
             <a:endParaRPr lang="zh-CN" altLang="en-US"/>
           </a:p>
@@ -2003,7 +1995,7 @@
     </p:spTree>
     <p:extLst>
       <p:ext uri="{BB962C8B-B14F-4D97-AF65-F5344CB8AC3E}">
-        <p14:creationId xmlns:p14="http://schemas.microsoft.com/office/powerpoint/2010/main" val="1120620868"/>
+        <p14:creationId xmlns:p14="http://schemas.microsoft.com/office/powerpoint/2010/main" val="2291699078"/>
       </p:ext>
     </p:extLst>
   </p:cSld>
@@ -2057,7 +2049,7 @@
           <a:bodyPr/>
           <a:lstStyle/>
           <a:p>
-            <a:endParaRPr lang="zh-CN" altLang="en-US" dirty="0"/>
+            <a:endParaRPr lang="en-GB" dirty="0"/>
           </a:p>
         </p:txBody>
       </p:sp>
@@ -2078,13 +2070,18 @@
           <a:p>
             <a:fld id="{85DC11DC-A9BB-4F6B-8EAB-906BFBD36D94}" type="slidenum">
               <a:rPr lang="zh-CN" altLang="en-US" smtClean="0"/>
-              <a:t>25</a:t>
+              <a:t>24</a:t>
             </a:fld>
             <a:endParaRPr lang="zh-CN" altLang="en-US"/>
           </a:p>
         </p:txBody>
       </p:sp>
     </p:spTree>
+    <p:extLst>
+      <p:ext uri="{BB962C8B-B14F-4D97-AF65-F5344CB8AC3E}">
+        <p14:creationId xmlns:p14="http://schemas.microsoft.com/office/powerpoint/2010/main" val="1120620868"/>
+      </p:ext>
+    </p:extLst>
   </p:cSld>
   <p:clrMapOvr>
     <a:masterClrMapping/>
@@ -2136,7 +2133,7 @@
           <a:bodyPr/>
           <a:lstStyle/>
           <a:p>
-            <a:endParaRPr lang="en-US" altLang="zh-CN" dirty="0" smtClean="0"/>
+            <a:endParaRPr lang="zh-CN" altLang="en-US" dirty="0"/>
           </a:p>
         </p:txBody>
       </p:sp>
@@ -2157,7 +2154,7 @@
           <a:p>
             <a:fld id="{85DC11DC-A9BB-4F6B-8EAB-906BFBD36D94}" type="slidenum">
               <a:rPr lang="zh-CN" altLang="en-US" smtClean="0"/>
-              <a:t>26</a:t>
+              <a:t>25</a:t>
             </a:fld>
             <a:endParaRPr lang="zh-CN" altLang="en-US"/>
           </a:p>
@@ -2215,7 +2212,7 @@
           <a:bodyPr/>
           <a:lstStyle/>
           <a:p>
-            <a:endParaRPr lang="en-GB" dirty="0"/>
+            <a:endParaRPr lang="en-US" altLang="zh-CN" dirty="0" smtClean="0"/>
           </a:p>
         </p:txBody>
       </p:sp>
@@ -2236,7 +2233,7 @@
           <a:p>
             <a:fld id="{85DC11DC-A9BB-4F6B-8EAB-906BFBD36D94}" type="slidenum">
               <a:rPr lang="zh-CN" altLang="en-US" smtClean="0"/>
-              <a:t>27</a:t>
+              <a:t>26</a:t>
             </a:fld>
             <a:endParaRPr lang="zh-CN" altLang="en-US"/>
           </a:p>
@@ -2294,6 +2291,85 @@
           <a:bodyPr/>
           <a:lstStyle/>
           <a:p>
+            <a:endParaRPr lang="en-GB" dirty="0"/>
+          </a:p>
+        </p:txBody>
+      </p:sp>
+      <p:sp>
+        <p:nvSpPr>
+          <p:cNvPr id="4" name="灯片编号占位符 3"/>
+          <p:cNvSpPr>
+            <a:spLocks noGrp="1"/>
+          </p:cNvSpPr>
+          <p:nvPr>
+            <p:ph type="sldNum" sz="quarter" idx="10"/>
+          </p:nvPr>
+        </p:nvSpPr>
+        <p:spPr/>
+        <p:txBody>
+          <a:bodyPr/>
+          <a:lstStyle/>
+          <a:p>
+            <a:fld id="{85DC11DC-A9BB-4F6B-8EAB-906BFBD36D94}" type="slidenum">
+              <a:rPr lang="zh-CN" altLang="en-US" smtClean="0"/>
+              <a:t>27</a:t>
+            </a:fld>
+            <a:endParaRPr lang="zh-CN" altLang="en-US"/>
+          </a:p>
+        </p:txBody>
+      </p:sp>
+    </p:spTree>
+  </p:cSld>
+  <p:clrMapOvr>
+    <a:masterClrMapping/>
+  </p:clrMapOvr>
+</p:notes>
+</file>
+
+<file path=ppt/notesSlides/notesSlide27.xml><?xml version="1.0" encoding="utf-8"?>
+<p:notes xmlns:a="http://schemas.openxmlformats.org/drawingml/2006/main" xmlns:r="http://schemas.openxmlformats.org/officeDocument/2006/relationships" xmlns:p="http://schemas.openxmlformats.org/presentationml/2006/main">
+  <p:cSld>
+    <p:spTree>
+      <p:nvGrpSpPr>
+        <p:cNvPr id="1" name=""/>
+        <p:cNvGrpSpPr/>
+        <p:nvPr/>
+      </p:nvGrpSpPr>
+      <p:grpSpPr>
+        <a:xfrm>
+          <a:off x="0" y="0"/>
+          <a:ext cx="0" cy="0"/>
+          <a:chOff x="0" y="0"/>
+          <a:chExt cx="0" cy="0"/>
+        </a:xfrm>
+      </p:grpSpPr>
+      <p:sp>
+        <p:nvSpPr>
+          <p:cNvPr id="2" name="幻灯片图像占位符 1"/>
+          <p:cNvSpPr>
+            <a:spLocks noGrp="1" noRot="1" noChangeAspect="1"/>
+          </p:cNvSpPr>
+          <p:nvPr>
+            <p:ph type="sldImg"/>
+          </p:nvPr>
+        </p:nvSpPr>
+        <p:spPr/>
+      </p:sp>
+      <p:sp>
+        <p:nvSpPr>
+          <p:cNvPr id="3" name="备注占位符 2"/>
+          <p:cNvSpPr>
+            <a:spLocks noGrp="1"/>
+          </p:cNvSpPr>
+          <p:nvPr>
+            <p:ph type="body" idx="1"/>
+          </p:nvPr>
+        </p:nvSpPr>
+        <p:spPr/>
+        <p:txBody>
+          <a:bodyPr/>
+          <a:lstStyle/>
+          <a:p>
             <a:r>
               <a:rPr lang="zh-CN" altLang="en-US" dirty="0" smtClean="0"/>
               <a:t>互斥不包容</a:t>
@@ -2428,11 +2504,7 @@
           <a:p>
             <a:r>
               <a:rPr lang="zh-CN" altLang="en-US" dirty="0" smtClean="0"/>
-              <a:t>现实</a:t>
-            </a:r>
-            <a:r>
-              <a:rPr lang="zh-CN" altLang="en-US" dirty="0" smtClean="0"/>
-              <a:t>中，由于设备自身或者环境等因素，有时会引发物理网络故障，进而影响</a:t>
+              <a:t>现实中，由于设备自身或者环境等因素，有时会引发物理网络故障，进而影响</a:t>
             </a:r>
             <a:r>
               <a:rPr lang="en-US" altLang="zh-CN" dirty="0" smtClean="0"/>
@@ -2440,15 +2512,7 @@
             </a:r>
             <a:r>
               <a:rPr lang="zh-CN" altLang="en-US" dirty="0" smtClean="0"/>
-              <a:t>租户虚拟网络的服务。因此需要为向租户虚拟网络嵌入请求提供一</a:t>
-            </a:r>
-            <a:r>
-              <a:rPr lang="zh-CN" altLang="en-US" dirty="0" smtClean="0"/>
-              <a:t>个可</a:t>
-            </a:r>
-            <a:r>
-              <a:rPr lang="zh-CN" altLang="en-US" dirty="0" smtClean="0"/>
-              <a:t>生存性的保护。</a:t>
+              <a:t>租户虚拟网络的服务。因此需要为向租户虚拟网络嵌入请求提供一个可生存性的保护。</a:t>
             </a:r>
             <a:endParaRPr lang="en-US" altLang="zh-CN" dirty="0" smtClean="0"/>
           </a:p>
@@ -2554,13 +2618,8 @@
             </a:r>
             <a:r>
               <a:rPr lang="en-US" altLang="zh-CN" dirty="0" smtClean="0"/>
-              <a:t>&lt;</a:t>
-            </a:r>
-            <a:r>
-              <a:rPr lang="en-US" altLang="zh-CN" dirty="0" smtClean="0"/>
-              <a:t>SRLG</a:t>
-            </a:r>
-            <a:endParaRPr lang="en-US" altLang="zh-CN" dirty="0" smtClean="0"/>
+              <a:t>&lt;SRLG</a:t>
+            </a:r>
           </a:p>
         </p:txBody>
       </p:sp>
@@ -2913,8 +2972,23 @@
           <a:lstStyle/>
           <a:p>
             <a:r>
+              <a:rPr lang="en-US" altLang="zh-CN" dirty="0" smtClean="0"/>
+              <a:t>KSP </a:t>
+            </a:r>
+            <a:r>
               <a:rPr lang="zh-CN" altLang="en-US" dirty="0" smtClean="0"/>
-              <a:t>一直占用 </a:t>
+              <a:t>最短路算法</a:t>
+            </a:r>
+            <a:endParaRPr lang="en-US" altLang="zh-CN" dirty="0" smtClean="0"/>
+          </a:p>
+          <a:p>
+            <a:r>
+              <a:rPr lang="zh-CN" altLang="en-US" dirty="0" smtClean="0"/>
+              <a:t>一直</a:t>
+            </a:r>
+            <a:r>
+              <a:rPr lang="zh-CN" altLang="en-US" dirty="0" smtClean="0"/>
+              <a:t>占用 </a:t>
             </a:r>
             <a:r>
               <a:rPr lang="en-US" altLang="zh-CN" dirty="0" smtClean="0"/>
@@ -7476,14 +7550,6 @@
               </a:rPr>
               <a:t>设计思想</a:t>
             </a:r>
-            <a:endParaRPr lang="zh-CN" altLang="en-US" sz="2800" b="1" dirty="0">
-              <a:effectLst>
-                <a:outerShdw blurRad="38100" dist="38100" dir="2700000" algn="tl">
-                  <a:srgbClr val="C0C0C0"/>
-                </a:outerShdw>
-              </a:effectLst>
-              <a:latin typeface="+mn-ea"/>
-            </a:endParaRPr>
           </a:p>
         </p:txBody>
       </p:sp>
@@ -9040,6 +9106,30 @@
           </a:p>
         </p:txBody>
       </p:sp>
+      <p:pic>
+        <p:nvPicPr>
+          <p:cNvPr id="3" name="图片 2"/>
+          <p:cNvPicPr>
+            <a:picLocks noChangeAspect="1"/>
+          </p:cNvPicPr>
+          <p:nvPr/>
+        </p:nvPicPr>
+        <p:blipFill>
+          <a:blip r:embed="rId5"/>
+          <a:stretch>
+            <a:fillRect/>
+          </a:stretch>
+        </p:blipFill>
+        <p:spPr>
+          <a:xfrm>
+            <a:off x="3556947" y="4323778"/>
+            <a:ext cx="4962525" cy="1857375"/>
+          </a:xfrm>
+          <a:prstGeom prst="rect">
+            <a:avLst/>
+          </a:prstGeom>
+        </p:spPr>
+      </p:pic>
     </p:spTree>
   </p:cSld>
   <p:clrMapOvr>
@@ -9066,7 +9156,7 @@
                             </p:stCondLst>
                             <p:childTnLst>
                               <p:par>
-                                <p:cTn id="5" presetID="1" presetClass="entr" presetSubtype="0" fill="hold" grpId="0" nodeType="clickEffect">
+                                <p:cTn id="5" presetID="1" presetClass="entr" presetSubtype="0" fill="hold" nodeType="clickEffect">
                                   <p:stCondLst>
                                     <p:cond delay="0"/>
                                   </p:stCondLst>
@@ -9074,6 +9164,104 @@
                                     <p:set>
                                       <p:cBhvr>
                                         <p:cTn id="6" dur="1" fill="hold">
+                                          <p:stCondLst>
+                                            <p:cond delay="0"/>
+                                          </p:stCondLst>
+                                        </p:cTn>
+                                        <p:tgtEl>
+                                          <p:spTgt spid="3"/>
+                                        </p:tgtEl>
+                                        <p:attrNameLst>
+                                          <p:attrName>style.visibility</p:attrName>
+                                        </p:attrNameLst>
+                                      </p:cBhvr>
+                                      <p:to>
+                                        <p:strVal val="visible"/>
+                                      </p:to>
+                                    </p:set>
+                                  </p:childTnLst>
+                                </p:cTn>
+                              </p:par>
+                            </p:childTnLst>
+                          </p:cTn>
+                        </p:par>
+                      </p:childTnLst>
+                    </p:cTn>
+                  </p:par>
+                  <p:par>
+                    <p:cTn id="7" fill="hold">
+                      <p:stCondLst>
+                        <p:cond delay="indefinite"/>
+                      </p:stCondLst>
+                      <p:childTnLst>
+                        <p:par>
+                          <p:cTn id="8" fill="hold">
+                            <p:stCondLst>
+                              <p:cond delay="0"/>
+                            </p:stCondLst>
+                            <p:childTnLst>
+                              <p:par>
+                                <p:cTn id="9" presetID="10" presetClass="exit" presetSubtype="0" fill="hold" nodeType="clickEffect">
+                                  <p:stCondLst>
+                                    <p:cond delay="0"/>
+                                  </p:stCondLst>
+                                  <p:childTnLst>
+                                    <p:animEffect transition="out" filter="fade">
+                                      <p:cBhvr>
+                                        <p:cTn id="10" dur="500"/>
+                                        <p:tgtEl>
+                                          <p:spTgt spid="3"/>
+                                        </p:tgtEl>
+                                      </p:cBhvr>
+                                    </p:animEffect>
+                                    <p:set>
+                                      <p:cBhvr>
+                                        <p:cTn id="11" dur="1" fill="hold">
+                                          <p:stCondLst>
+                                            <p:cond delay="499"/>
+                                          </p:stCondLst>
+                                        </p:cTn>
+                                        <p:tgtEl>
+                                          <p:spTgt spid="3"/>
+                                        </p:tgtEl>
+                                        <p:attrNameLst>
+                                          <p:attrName>style.visibility</p:attrName>
+                                        </p:attrNameLst>
+                                      </p:cBhvr>
+                                      <p:to>
+                                        <p:strVal val="hidden"/>
+                                      </p:to>
+                                    </p:set>
+                                  </p:childTnLst>
+                                </p:cTn>
+                              </p:par>
+                            </p:childTnLst>
+                          </p:cTn>
+                        </p:par>
+                      </p:childTnLst>
+                    </p:cTn>
+                  </p:par>
+                  <p:par>
+                    <p:cTn id="12" fill="hold">
+                      <p:stCondLst>
+                        <p:cond delay="indefinite"/>
+                      </p:stCondLst>
+                      <p:childTnLst>
+                        <p:par>
+                          <p:cTn id="13" fill="hold">
+                            <p:stCondLst>
+                              <p:cond delay="0"/>
+                            </p:stCondLst>
+                            <p:childTnLst>
+                              <p:par>
+                                <p:cTn id="14" presetID="1" presetClass="entr" presetSubtype="0" fill="hold" grpId="0" nodeType="clickEffect">
+                                  <p:stCondLst>
+                                    <p:cond delay="0"/>
+                                  </p:stCondLst>
+                                  <p:childTnLst>
+                                    <p:set>
+                                      <p:cBhvr>
+                                        <p:cTn id="15" dur="1" fill="hold">
                                           <p:stCondLst>
                                             <p:cond delay="0"/>
                                           </p:stCondLst>
@@ -9093,14 +9281,14 @@
                                 </p:cTn>
                               </p:par>
                               <p:par>
-                                <p:cTn id="7" presetID="1" presetClass="entr" presetSubtype="0" fill="hold" nodeType="withEffect">
+                                <p:cTn id="16" presetID="1" presetClass="entr" presetSubtype="0" fill="hold" nodeType="withEffect">
                                   <p:stCondLst>
                                     <p:cond delay="0"/>
                                   </p:stCondLst>
                                   <p:childTnLst>
                                     <p:set>
                                       <p:cBhvr>
-                                        <p:cTn id="8" dur="1" fill="hold">
+                                        <p:cTn id="17" dur="1" fill="hold">
                                           <p:stCondLst>
                                             <p:cond delay="0"/>
                                           </p:stCondLst>
@@ -9982,6 +10170,36 @@
           </a:p>
         </p:txBody>
       </p:sp>
+      <p:sp>
+        <p:nvSpPr>
+          <p:cNvPr id="3" name="文本框 2"/>
+          <p:cNvSpPr txBox="1"/>
+          <p:nvPr/>
+        </p:nvSpPr>
+        <p:spPr>
+          <a:xfrm>
+            <a:off x="4306339" y="5463074"/>
+            <a:ext cx="2291012" cy="584775"/>
+          </a:xfrm>
+          <a:prstGeom prst="rect">
+            <a:avLst/>
+          </a:prstGeom>
+          <a:noFill/>
+        </p:spPr>
+        <p:txBody>
+          <a:bodyPr wrap="none" rtlCol="0">
+            <a:spAutoFit/>
+          </a:bodyPr>
+          <a:lstStyle/>
+          <a:p>
+            <a:r>
+              <a:rPr lang="en-US" altLang="zh-CN" sz="3200" dirty="0" smtClean="0"/>
+              <a:t>T={e2,e5,e6}</a:t>
+            </a:r>
+            <a:endParaRPr lang="en-GB" sz="3200" dirty="0"/>
+          </a:p>
+        </p:txBody>
+      </p:sp>
     </p:spTree>
   </p:cSld>
   <p:clrMapOvr>
@@ -9999,9 +10217,6 @@
                     <p:cTn id="3" fill="hold">
                       <p:stCondLst>
                         <p:cond delay="indefinite"/>
-                        <p:cond evt="onBegin" delay="0">
-                          <p:tn val="2"/>
-                        </p:cond>
                       </p:stCondLst>
                       <p:childTnLst>
                         <p:par>
@@ -10011,7 +10226,7 @@
                             </p:stCondLst>
                             <p:childTnLst>
                               <p:par>
-                                <p:cTn id="5" presetID="1" presetClass="entr" presetSubtype="0" fill="hold" grpId="0" nodeType="withEffect">
+                                <p:cTn id="5" presetID="1" presetClass="entr" presetSubtype="0" fill="hold" nodeType="clickEffect">
                                   <p:stCondLst>
                                     <p:cond delay="0"/>
                                   </p:stCondLst>
@@ -10024,7 +10239,34 @@
                                           </p:stCondLst>
                                         </p:cTn>
                                         <p:tgtEl>
-                                          <p:spTgt spid="28"/>
+                                          <p:spTgt spid="13"/>
+                                        </p:tgtEl>
+                                        <p:attrNameLst>
+                                          <p:attrName>style.visibility</p:attrName>
+                                        </p:attrNameLst>
+                                      </p:cBhvr>
+                                      <p:to>
+                                        <p:strVal val="visible"/>
+                                      </p:to>
+                                    </p:set>
+                                  </p:childTnLst>
+                                </p:cTn>
+                              </p:par>
+                              <p:par>
+                                <p:cTn id="7" presetID="1" presetClass="entr" presetSubtype="0" fill="hold" grpId="0" nodeType="withEffect">
+                                  <p:stCondLst>
+                                    <p:cond delay="0"/>
+                                  </p:stCondLst>
+                                  <p:childTnLst>
+                                    <p:set>
+                                      <p:cBhvr>
+                                        <p:cTn id="8" dur="1" fill="hold">
+                                          <p:stCondLst>
+                                            <p:cond delay="0"/>
+                                          </p:stCondLst>
+                                        </p:cTn>
+                                        <p:tgtEl>
+                                          <p:spTgt spid="3"/>
                                         </p:tgtEl>
                                         <p:attrNameLst>
                                           <p:attrName>style.visibility</p:attrName>
@@ -10065,7 +10307,7 @@
       </p:par>
     </p:tnLst>
     <p:bldLst>
-      <p:bldP spid="28" grpId="0" animBg="1"/>
+      <p:bldP spid="3" grpId="0"/>
     </p:bldLst>
   </p:timing>
 </p:sld>
@@ -10237,7 +10479,7 @@
           <p:nvPr/>
         </p:nvPicPr>
         <p:blipFill>
-          <a:blip r:embed="rId2"/>
+          <a:blip r:embed="rId3"/>
           <a:stretch>
             <a:fillRect/>
           </a:stretch>
@@ -10291,7 +10533,7 @@
           <p:nvPr/>
         </p:nvPicPr>
         <p:blipFill>
-          <a:blip r:embed="rId3"/>
+          <a:blip r:embed="rId4"/>
           <a:stretch>
             <a:fillRect/>
           </a:stretch>
@@ -10531,14 +10773,6 @@
               </a:rPr>
               <a:t>实验结果</a:t>
             </a:r>
-            <a:endParaRPr lang="zh-CN" altLang="en-US" sz="2800" b="1" dirty="0">
-              <a:effectLst>
-                <a:outerShdw blurRad="38100" dist="38100" dir="2700000" algn="tl">
-                  <a:srgbClr val="C0C0C0"/>
-                </a:outerShdw>
-              </a:effectLst>
-              <a:latin typeface="+mn-ea"/>
-            </a:endParaRPr>
           </a:p>
         </p:txBody>
       </p:sp>
@@ -11672,11 +11906,7 @@
             </a:r>
             <a:r>
               <a:rPr lang="zh-CN" altLang="en-US" sz="2400" dirty="0" smtClean="0"/>
-              <a:t>先后故障物理节点所导致的资源</a:t>
-            </a:r>
-            <a:r>
-              <a:rPr lang="zh-CN" altLang="en-US" sz="2400" dirty="0" smtClean="0"/>
-              <a:t>增广</a:t>
+              <a:t>先后故障物理节点所导致的资源增广</a:t>
             </a:r>
             <a:endParaRPr lang="en-US" altLang="zh-CN" sz="2400" dirty="0" smtClean="0"/>
           </a:p>
@@ -15599,6 +15829,33 @@
                                   </p:childTnLst>
                                 </p:cTn>
                               </p:par>
+                              <p:par>
+                                <p:cTn id="7" presetID="1" presetClass="entr" presetSubtype="0" fill="hold" nodeType="withEffect">
+                                  <p:stCondLst>
+                                    <p:cond delay="0"/>
+                                  </p:stCondLst>
+                                  <p:childTnLst>
+                                    <p:set>
+                                      <p:cBhvr>
+                                        <p:cTn id="8" dur="1" fill="hold">
+                                          <p:stCondLst>
+                                            <p:cond delay="0"/>
+                                          </p:stCondLst>
+                                        </p:cTn>
+                                        <p:tgtEl>
+                                          <p:spTgt spid="6"/>
+                                        </p:tgtEl>
+                                        <p:attrNameLst>
+                                          <p:attrName>style.visibility</p:attrName>
+                                        </p:attrNameLst>
+                                      </p:cBhvr>
+                                      <p:to>
+                                        <p:strVal val="visible"/>
+                                      </p:to>
+                                    </p:set>
+                                  </p:childTnLst>
+                                </p:cTn>
+                              </p:par>
                             </p:childTnLst>
                           </p:cTn>
                         </p:par>
@@ -15606,32 +15863,59 @@
                     </p:cTn>
                   </p:par>
                   <p:par>
-                    <p:cTn id="7" fill="hold">
+                    <p:cTn id="9" fill="hold">
                       <p:stCondLst>
                         <p:cond delay="indefinite"/>
                       </p:stCondLst>
                       <p:childTnLst>
                         <p:par>
-                          <p:cTn id="8" fill="hold">
+                          <p:cTn id="10" fill="hold">
                             <p:stCondLst>
                               <p:cond delay="0"/>
                             </p:stCondLst>
                             <p:childTnLst>
                               <p:par>
-                                <p:cTn id="9" presetID="1" presetClass="entr" presetSubtype="0" fill="hold" grpId="0" nodeType="clickEffect">
+                                <p:cTn id="11" presetID="1" presetClass="entr" presetSubtype="0" fill="hold" grpId="0" nodeType="clickEffect">
                                   <p:stCondLst>
                                     <p:cond delay="0"/>
                                   </p:stCondLst>
                                   <p:childTnLst>
                                     <p:set>
                                       <p:cBhvr>
-                                        <p:cTn id="10" dur="1" fill="hold">
+                                        <p:cTn id="12" dur="1" fill="hold">
                                           <p:stCondLst>
                                             <p:cond delay="0"/>
                                           </p:stCondLst>
                                         </p:cTn>
                                         <p:tgtEl>
                                           <p:spTgt spid="5"/>
+                                        </p:tgtEl>
+                                        <p:attrNameLst>
+                                          <p:attrName>style.visibility</p:attrName>
+                                        </p:attrNameLst>
+                                      </p:cBhvr>
+                                      <p:to>
+                                        <p:strVal val="visible"/>
+                                      </p:to>
+                                    </p:set>
+                                  </p:childTnLst>
+                                </p:cTn>
+                              </p:par>
+                              <p:par>
+                                <p:cTn id="13" presetID="1" presetClass="entr" presetSubtype="0" fill="hold" nodeType="withEffect">
+                                  <p:stCondLst>
+                                    <p:cond delay="0"/>
+                                  </p:stCondLst>
+                                  <p:childTnLst>
+                                    <p:set>
+                                      <p:cBhvr>
+                                        <p:cTn id="14" dur="1" fill="hold">
+                                          <p:stCondLst>
+                                            <p:cond delay="0"/>
+                                          </p:stCondLst>
+                                        </p:cTn>
+                                        <p:tgtEl>
+                                          <p:spTgt spid="7"/>
                                         </p:tgtEl>
                                         <p:attrNameLst>
                                           <p:attrName>style.visibility</p:attrName>
@@ -16326,7 +16610,7 @@
             </a:pPr>
             <a:r>
               <a:rPr lang="zh-CN" altLang="en-US" sz="2800" dirty="0"/>
-              <a:t>考虑</a:t>
+              <a:t>研究</a:t>
             </a:r>
             <a:r>
               <a:rPr lang="zh-CN" altLang="en-US" sz="2800" dirty="0" smtClean="0"/>
@@ -16668,11 +16952,11 @@
   <p:clrMapOvr>
     <a:masterClrMapping/>
   </p:clrMapOvr>
-  <mc:AlternateContent xmlns:mc="http://schemas.openxmlformats.org/markup-compatibility/2006">
-    <mc:Choice xmlns:p14="http://schemas.microsoft.com/office/powerpoint/2010/main" Requires="p14">
+  <mc:AlternateContent xmlns:mc="http://schemas.openxmlformats.org/markup-compatibility/2006" xmlns:p14="http://schemas.microsoft.com/office/powerpoint/2010/main">
+    <mc:Choice Requires="p14">
       <p:transition spd="slow" p14:dur="2000"/>
     </mc:Choice>
-    <mc:Fallback>
+    <mc:Fallback xmlns="">
       <p:transition spd="slow"/>
     </mc:Fallback>
   </mc:AlternateContent>
@@ -17246,11 +17530,11 @@
   <p:clrMapOvr>
     <a:masterClrMapping/>
   </p:clrMapOvr>
-  <mc:AlternateContent xmlns:mc="http://schemas.openxmlformats.org/markup-compatibility/2006">
-    <mc:Choice xmlns:p14="http://schemas.microsoft.com/office/powerpoint/2010/main" Requires="p14">
+  <mc:AlternateContent xmlns:mc="http://schemas.openxmlformats.org/markup-compatibility/2006" xmlns:p14="http://schemas.microsoft.com/office/powerpoint/2010/main">
+    <mc:Choice Requires="p14">
       <p:transition spd="slow" p14:dur="2000"/>
     </mc:Choice>
-    <mc:Fallback>
+    <mc:Fallback xmlns="">
       <p:transition spd="slow"/>
     </mc:Fallback>
   </mc:AlternateContent>
@@ -17486,11 +17770,11 @@
   <p:clrMapOvr>
     <a:masterClrMapping/>
   </p:clrMapOvr>
-  <mc:AlternateContent xmlns:mc="http://schemas.openxmlformats.org/markup-compatibility/2006">
-    <mc:Choice xmlns:p14="http://schemas.microsoft.com/office/powerpoint/2010/main" Requires="p14">
+  <mc:AlternateContent xmlns:mc="http://schemas.openxmlformats.org/markup-compatibility/2006" xmlns:p14="http://schemas.microsoft.com/office/powerpoint/2010/main">
+    <mc:Choice Requires="p14">
       <p:transition spd="slow" p14:dur="2000"/>
     </mc:Choice>
-    <mc:Fallback>
+    <mc:Fallback xmlns="">
       <p:transition spd="slow"/>
     </mc:Fallback>
   </mc:AlternateContent>
@@ -19638,28 +19922,14 @@
                 <a:latin typeface="+mn-ea"/>
                 <a:cs typeface="Times New Roman" panose="02020603050405020304" pitchFamily="18" charset="0"/>
               </a:rPr>
-              <a:t>共享</a:t>
-            </a:r>
-            <a:r>
-              <a:rPr lang="zh-CN" altLang="en-US" sz="2400" b="1" u="sng" dirty="0">
-                <a:latin typeface="+mn-ea"/>
-                <a:cs typeface="Times New Roman" panose="02020603050405020304" pitchFamily="18" charset="0"/>
-              </a:rPr>
-              <a:t>风险链路组</a:t>
+              <a:t>共享风险链路组</a:t>
             </a:r>
             <a:r>
               <a:rPr lang="en-US" altLang="zh-CN" sz="2400" b="1" u="sng" dirty="0">
                 <a:latin typeface="+mn-ea"/>
                 <a:cs typeface="Times New Roman" panose="02020603050405020304" pitchFamily="18" charset="0"/>
               </a:rPr>
-              <a:t>(SRLG</a:t>
-            </a:r>
-            <a:r>
-              <a:rPr lang="en-US" altLang="zh-CN" sz="2400" b="1" u="sng" dirty="0">
-                <a:latin typeface="+mn-ea"/>
-                <a:cs typeface="Times New Roman" panose="02020603050405020304" pitchFamily="18" charset="0"/>
-              </a:rPr>
-              <a:t>)</a:t>
+              <a:t>(SRLG)</a:t>
             </a:r>
             <a:r>
               <a:rPr lang="zh-CN" altLang="en-US" sz="2400" b="1" u="sng" dirty="0">
@@ -19673,14 +19943,7 @@
                 <a:latin typeface="+mn-ea"/>
                 <a:cs typeface="Times New Roman" panose="02020603050405020304" pitchFamily="18" charset="0"/>
               </a:rPr>
-              <a:t>路径问题</a:t>
-            </a:r>
-            <a:r>
-              <a:rPr lang="zh-CN" altLang="en-US" sz="2400" b="1" u="sng" dirty="0" smtClean="0">
-                <a:latin typeface="+mn-ea"/>
-                <a:cs typeface="Times New Roman" panose="02020603050405020304" pitchFamily="18" charset="0"/>
-              </a:rPr>
-              <a:t>研究现状</a:t>
+              <a:t>路径问题研究现状</a:t>
             </a:r>
             <a:r>
               <a:rPr lang="zh-CN" altLang="en-US" sz="2400" dirty="0" smtClean="0">
@@ -19701,21 +19964,7 @@
                 <a:latin typeface="+mn-ea"/>
                 <a:cs typeface="Times New Roman" panose="02020603050405020304" pitchFamily="18" charset="0"/>
               </a:rPr>
-              <a:t>网络</a:t>
-            </a:r>
-            <a:r>
-              <a:rPr lang="zh-CN" altLang="en-US" sz="2400" dirty="0" smtClean="0">
-                <a:latin typeface="+mn-ea"/>
-                <a:cs typeface="Times New Roman" panose="02020603050405020304" pitchFamily="18" charset="0"/>
-              </a:rPr>
-              <a:t>的</a:t>
-            </a:r>
-            <a:r>
-              <a:rPr lang="zh-CN" altLang="en-US" sz="2400" dirty="0" smtClean="0">
-                <a:latin typeface="+mn-ea"/>
-                <a:cs typeface="Times New Roman" panose="02020603050405020304" pitchFamily="18" charset="0"/>
-              </a:rPr>
-              <a:t>发展</a:t>
+              <a:t>网络的发展</a:t>
             </a:r>
             <a:r>
               <a:rPr lang="en-US" altLang="zh-CN" sz="2400" dirty="0" smtClean="0">
@@ -19729,35 +19978,7 @@
                 <a:latin typeface="+mn-ea"/>
                 <a:cs typeface="Times New Roman" panose="02020603050405020304" pitchFamily="18" charset="0"/>
               </a:rPr>
-              <a:t>保证业务通信的</a:t>
-            </a:r>
-            <a:r>
-              <a:rPr lang="zh-CN" altLang="en-US" sz="2400" dirty="0" smtClean="0">
-                <a:latin typeface="+mn-ea"/>
-                <a:cs typeface="Times New Roman" panose="02020603050405020304" pitchFamily="18" charset="0"/>
-              </a:rPr>
-              <a:t>不相交路径问题</a:t>
-            </a:r>
-            <a:r>
-              <a:rPr lang="zh-CN" altLang="en-US" sz="2400" dirty="0" smtClean="0">
-                <a:latin typeface="+mn-ea"/>
-                <a:cs typeface="Times New Roman" panose="02020603050405020304" pitchFamily="18" charset="0"/>
-              </a:rPr>
-              <a:t>的</a:t>
-            </a:r>
-            <a:r>
-              <a:rPr lang="zh-CN" altLang="en-US" sz="2400" dirty="0" smtClean="0">
-                <a:latin typeface="+mn-ea"/>
-                <a:cs typeface="Times New Roman" panose="02020603050405020304" pitchFamily="18" charset="0"/>
-              </a:rPr>
-              <a:t>已成为研究</a:t>
-            </a:r>
-            <a:r>
-              <a:rPr lang="zh-CN" altLang="en-US" sz="2400" dirty="0" smtClean="0">
-                <a:latin typeface="+mn-ea"/>
-                <a:cs typeface="Times New Roman" panose="02020603050405020304" pitchFamily="18" charset="0"/>
-              </a:rPr>
-              <a:t>热点</a:t>
+              <a:t>保证业务通信的不相交路径问题的已成为研究热点</a:t>
             </a:r>
             <a:r>
               <a:rPr lang="zh-CN" altLang="en-US" sz="2400" dirty="0">
@@ -19766,10 +19987,6 @@
               </a:rPr>
               <a:t>。</a:t>
             </a:r>
-            <a:endParaRPr lang="zh-CN" altLang="en-US" sz="2400" dirty="0">
-              <a:latin typeface="+mn-ea"/>
-              <a:cs typeface="Times New Roman" panose="02020603050405020304" pitchFamily="18" charset="0"/>
-            </a:endParaRPr>
           </a:p>
         </p:txBody>
       </p:sp>
@@ -20218,77 +20435,28 @@
                 <a:latin typeface="+mn-ea"/>
                 <a:cs typeface="Times New Roman" panose="02020603050405020304" pitchFamily="18" charset="0"/>
               </a:rPr>
-              <a:t>单物理节点故障可生存性虚拟嵌入问题</a:t>
-            </a:r>
-            <a:r>
-              <a:rPr lang="zh-CN" altLang="en-US" sz="2400" b="1" u="sng" dirty="0" smtClean="0">
-                <a:latin typeface="+mn-ea"/>
-                <a:cs typeface="Times New Roman" panose="02020603050405020304" pitchFamily="18" charset="0"/>
-              </a:rPr>
-              <a:t>研究现状</a:t>
+              <a:t>单物理节点故障可生存性虚拟嵌入问题研究现状</a:t>
             </a:r>
             <a:r>
               <a:rPr lang="zh-CN" altLang="en-US" sz="2400" dirty="0" smtClean="0">
                 <a:latin typeface="+mn-ea"/>
                 <a:cs typeface="Times New Roman" panose="02020603050405020304" pitchFamily="18" charset="0"/>
               </a:rPr>
-              <a:t>： 随着网络功能虚拟化</a:t>
+              <a:t>： 随着网络功能虚拟化的发展</a:t>
+            </a:r>
+            <a:r>
+              <a:rPr lang="en-US" altLang="zh-CN" sz="2400" dirty="0" smtClean="0">
+                <a:latin typeface="+mn-ea"/>
+                <a:cs typeface="Times New Roman" panose="02020603050405020304" pitchFamily="18" charset="0"/>
+              </a:rPr>
+              <a:t>, </a:t>
             </a:r>
             <a:r>
               <a:rPr lang="zh-CN" altLang="en-US" sz="2400" dirty="0" smtClean="0">
                 <a:latin typeface="+mn-ea"/>
                 <a:cs typeface="Times New Roman" panose="02020603050405020304" pitchFamily="18" charset="0"/>
               </a:rPr>
-              <a:t>的</a:t>
-            </a:r>
-            <a:r>
-              <a:rPr lang="zh-CN" altLang="en-US" sz="2400" dirty="0" smtClean="0">
-                <a:latin typeface="+mn-ea"/>
-                <a:cs typeface="Times New Roman" panose="02020603050405020304" pitchFamily="18" charset="0"/>
-              </a:rPr>
-              <a:t>发展</a:t>
-            </a:r>
-            <a:r>
-              <a:rPr lang="en-US" altLang="zh-CN" sz="2400" dirty="0" smtClean="0">
-                <a:latin typeface="+mn-ea"/>
-                <a:cs typeface="Times New Roman" panose="02020603050405020304" pitchFamily="18" charset="0"/>
-              </a:rPr>
-              <a:t>,</a:t>
-            </a:r>
-            <a:r>
-              <a:rPr lang="en-US" altLang="zh-CN" sz="2400" dirty="0" smtClean="0">
-                <a:latin typeface="+mn-ea"/>
-                <a:cs typeface="Times New Roman" panose="02020603050405020304" pitchFamily="18" charset="0"/>
-              </a:rPr>
-              <a:t> </a:t>
-            </a:r>
-            <a:r>
-              <a:rPr lang="zh-CN" altLang="en-US" sz="2400" dirty="0" smtClean="0">
-                <a:latin typeface="+mn-ea"/>
-                <a:cs typeface="Times New Roman" panose="02020603050405020304" pitchFamily="18" charset="0"/>
-              </a:rPr>
-              <a:t>网络故障的不可避免性，可生存性虚拟网络嵌入问题</a:t>
-            </a:r>
-            <a:r>
-              <a:rPr lang="zh-CN" altLang="en-US" sz="2400" dirty="0" smtClean="0">
-                <a:latin typeface="+mn-ea"/>
-                <a:cs typeface="Times New Roman" panose="02020603050405020304" pitchFamily="18" charset="0"/>
-              </a:rPr>
-              <a:t>已</a:t>
-            </a:r>
-            <a:r>
-              <a:rPr lang="zh-CN" altLang="en-US" sz="2400" dirty="0" smtClean="0">
-                <a:latin typeface="+mn-ea"/>
-                <a:cs typeface="Times New Roman" panose="02020603050405020304" pitchFamily="18" charset="0"/>
-              </a:rPr>
-              <a:t>成为研究</a:t>
-            </a:r>
-            <a:r>
-              <a:rPr lang="zh-CN" altLang="en-US" sz="2400" dirty="0" smtClean="0">
-                <a:latin typeface="+mn-ea"/>
-                <a:cs typeface="Times New Roman" panose="02020603050405020304" pitchFamily="18" charset="0"/>
-              </a:rPr>
-              <a:t>热点</a:t>
+              <a:t>网络故障的不可避免性，可生存性虚拟网络嵌入问题已成为研究热点</a:t>
             </a:r>
             <a:r>
               <a:rPr lang="zh-CN" altLang="en-US" sz="2400" dirty="0">
@@ -20297,10 +20465,6 @@
               </a:rPr>
               <a:t>。</a:t>
             </a:r>
-            <a:endParaRPr lang="zh-CN" altLang="en-US" sz="2400" dirty="0">
-              <a:latin typeface="+mn-ea"/>
-              <a:cs typeface="Times New Roman" panose="02020603050405020304" pitchFamily="18" charset="0"/>
-            </a:endParaRPr>
           </a:p>
         </p:txBody>
       </p:sp>
@@ -20313,7 +20477,7 @@
         <p:spPr>
           <a:xfrm>
             <a:off x="392112" y="2704321"/>
-            <a:ext cx="8263801" cy="1846659"/>
+            <a:ext cx="8032968" cy="1569660"/>
           </a:xfrm>
           <a:prstGeom prst="rect">
             <a:avLst/>
@@ -20350,11 +20514,12 @@
           <a:p>
             <a:r>
               <a:rPr lang="zh-CN" altLang="en-US" dirty="0" smtClean="0"/>
-              <a:t>给出问题的线性规划方程，对方程某些限制条件优化，运筹学角度的求解方法</a:t>
-            </a:r>
-            <a:endParaRPr lang="en-US" dirty="0" smtClean="0"/>
-          </a:p>
-          <a:p>
+              <a:t>给出问题的线性规划方程，对方程某些限制条件优化，运筹学角度的</a:t>
+            </a:r>
+            <a:r>
+              <a:rPr lang="zh-CN" altLang="en-US" dirty="0" smtClean="0"/>
+              <a:t>求解结果</a:t>
+            </a:r>
             <a:endParaRPr lang="en-US" dirty="0"/>
           </a:p>
           <a:p>
@@ -20419,7 +20584,11 @@
           <a:p>
             <a:r>
               <a:rPr lang="zh-CN" altLang="en-US" sz="2000" dirty="0" smtClean="0"/>
-              <a:t>理论分析出故障都</a:t>
+              <a:t>详实的理论分析，说明故障</a:t>
+            </a:r>
+            <a:r>
+              <a:rPr lang="zh-CN" altLang="en-US" sz="2000" dirty="0" smtClean="0"/>
+              <a:t>都</a:t>
             </a:r>
             <a:r>
               <a:rPr lang="en-US" altLang="zh-CN" sz="2000" dirty="0" smtClean="0"/>
@@ -20427,7 +20596,19 @@
             </a:r>
             <a:r>
               <a:rPr lang="zh-CN" altLang="en-US" sz="2000" dirty="0" smtClean="0"/>
-              <a:t>为单点故障，给出的算法简单</a:t>
+              <a:t>为单点</a:t>
+            </a:r>
+            <a:r>
+              <a:rPr lang="zh-CN" altLang="en-US" sz="2000" dirty="0" smtClean="0"/>
+              <a:t>故障，</a:t>
+            </a:r>
+            <a:r>
+              <a:rPr lang="zh-CN" altLang="en-US" sz="2000" dirty="0" smtClean="0"/>
+              <a:t>给出的</a:t>
+            </a:r>
+            <a:r>
+              <a:rPr lang="zh-CN" altLang="en-US" sz="2000" dirty="0" smtClean="0"/>
+              <a:t>算法过于简单</a:t>
             </a:r>
             <a:endParaRPr lang="en-US" sz="2400" dirty="0" smtClean="0"/>
           </a:p>
@@ -20989,15 +21170,7 @@
                   <a:ea typeface="黑体" panose="02010609060101010101" pitchFamily="49" charset="-122"/>
                   <a:cs typeface="Times New Roman" panose="02020603050405020304" pitchFamily="18" charset="0"/>
                 </a:rPr>
-                <a:t>提出</a:t>
-              </a:r>
-              <a:r>
-                <a:rPr lang="zh-CN" altLang="en-US" sz="2000" dirty="0" smtClean="0">
-                  <a:latin typeface="Times New Roman" panose="02020603050405020304" pitchFamily="18" charset="0"/>
-                  <a:ea typeface="黑体" panose="02010609060101010101" pitchFamily="49" charset="-122"/>
-                  <a:cs typeface="Times New Roman" panose="02020603050405020304" pitchFamily="18" charset="0"/>
-                </a:rPr>
-                <a:t>了一个新的思路，求</a:t>
+                <a:t>提出了一个新的思路，求</a:t>
               </a:r>
               <a:r>
                 <a:rPr lang="en-US" altLang="zh-CN" sz="2000" b="1" kern="0" dirty="0" smtClean="0">
@@ -21201,9 +21374,9 @@
         <p:grpSpPr>
           <a:xfrm>
             <a:off x="1911245" y="3765296"/>
-            <a:ext cx="6913563" cy="2214270"/>
+            <a:ext cx="6913563" cy="2174324"/>
             <a:chOff x="1916687" y="1046335"/>
-            <a:chExt cx="6913563" cy="2214270"/>
+            <a:chExt cx="6913563" cy="2174324"/>
           </a:xfrm>
         </p:grpSpPr>
         <p:sp>
@@ -21370,7 +21543,7 @@
           <p:spPr>
             <a:xfrm>
               <a:off x="1968437" y="1567834"/>
-              <a:ext cx="6790375" cy="1692771"/>
+              <a:ext cx="6790375" cy="1652825"/>
             </a:xfrm>
             <a:prstGeom prst="rect">
               <a:avLst/>
@@ -21440,23 +21613,17 @@
                   </a:solidFill>
                   <a:latin typeface="+mn-ea"/>
                 </a:rPr>
-                <a:t>图匹配的权值设置公式</a:t>
+                <a:t>图匹配的权值设置</a:t>
               </a:r>
-              <a:endParaRPr lang="en-US" altLang="zh-CN" sz="2000" b="1" kern="0" dirty="0" smtClean="0">
-                <a:solidFill>
-                  <a:srgbClr val="000000"/>
-                </a:solidFill>
-                <a:latin typeface="+mn-ea"/>
-              </a:endParaRPr>
-            </a:p>
-            <a:p>
-              <a:pPr marL="355600" indent="-355600" algn="just">
-                <a:lnSpc>
-                  <a:spcPct val="130000"/>
-                </a:lnSpc>
-                <a:buFont typeface="+mj-ea"/>
-                <a:buAutoNum type="circleNumDbPlain"/>
-              </a:pPr>
+              <a:r>
+                <a:rPr lang="zh-CN" altLang="en-US" sz="2000" b="1" kern="0" dirty="0" smtClean="0">
+                  <a:solidFill>
+                    <a:srgbClr val="000000"/>
+                  </a:solidFill>
+                  <a:latin typeface="+mn-ea"/>
+                </a:rPr>
+                <a:t>公式，获得较小的资源增广</a:t>
+              </a:r>
               <a:endParaRPr lang="zh-CN" altLang="en-US" sz="2000" dirty="0" smtClean="0">
                 <a:latin typeface="Times New Roman" panose="02020603050405020304" pitchFamily="18" charset="0"/>
                 <a:ea typeface="黑体" panose="02010609060101010101" pitchFamily="49" charset="-122"/>
@@ -21489,8 +21656,29 @@
                   </a:solidFill>
                   <a:latin typeface="Arial" panose="020B0604020202020204" pitchFamily="34" charset="0"/>
                 </a:rPr>
-                <a:t>动态规划节点映射算法</a:t>
+                <a:t>动态规划节点映射</a:t>
               </a:r>
+              <a:r>
+                <a:rPr lang="zh-CN" altLang="en-US" sz="2000" b="1" dirty="0" smtClean="0">
+                  <a:solidFill>
+                    <a:schemeClr val="tx1">
+                      <a:lumMod val="95000"/>
+                      <a:lumOff val="5000"/>
+                    </a:schemeClr>
+                  </a:solidFill>
+                  <a:latin typeface="Arial" panose="020B0604020202020204" pitchFamily="34" charset="0"/>
+                </a:rPr>
+                <a:t>算法，完成节点映射过程</a:t>
+              </a:r>
+              <a:endParaRPr lang="zh-CN" altLang="en-US" sz="2000" b="1" dirty="0">
+                <a:solidFill>
+                  <a:schemeClr val="tx1">
+                    <a:lumMod val="95000"/>
+                    <a:lumOff val="5000"/>
+                  </a:schemeClr>
+                </a:solidFill>
+                <a:latin typeface="Arial" panose="020B0604020202020204" pitchFamily="34" charset="0"/>
+              </a:endParaRPr>
             </a:p>
             <a:p>
               <a:pPr marL="355600" indent="-355600" algn="just">
@@ -22413,7 +22601,6 @@
               <a:rPr lang="en-GB" sz="2400" dirty="0"/>
               <a:t>NP-complete.</a:t>
             </a:r>
-            <a:endParaRPr lang="en-GB" sz="2400" dirty="0"/>
           </a:p>
         </p:txBody>
       </p:sp>
@@ -22469,33 +22656,6 @@
                                   </p:childTnLst>
                                 </p:cTn>
                               </p:par>
-                              <p:par>
-                                <p:cTn id="7" presetID="1" presetClass="entr" presetSubtype="0" fill="hold" nodeType="withEffect">
-                                  <p:stCondLst>
-                                    <p:cond delay="0"/>
-                                  </p:stCondLst>
-                                  <p:childTnLst>
-                                    <p:set>
-                                      <p:cBhvr>
-                                        <p:cTn id="8" dur="1" fill="hold">
-                                          <p:stCondLst>
-                                            <p:cond delay="0"/>
-                                          </p:stCondLst>
-                                        </p:cTn>
-                                        <p:tgtEl>
-                                          <p:spTgt spid="18"/>
-                                        </p:tgtEl>
-                                        <p:attrNameLst>
-                                          <p:attrName>style.visibility</p:attrName>
-                                        </p:attrNameLst>
-                                      </p:cBhvr>
-                                      <p:to>
-                                        <p:strVal val="visible"/>
-                                      </p:to>
-                                    </p:set>
-                                  </p:childTnLst>
-                                </p:cTn>
-                              </p:par>
                             </p:childTnLst>
                           </p:cTn>
                         </p:par>
@@ -22503,26 +22663,26 @@
                     </p:cTn>
                   </p:par>
                   <p:par>
-                    <p:cTn id="9" fill="hold">
+                    <p:cTn id="7" fill="hold">
                       <p:stCondLst>
                         <p:cond delay="indefinite"/>
                       </p:stCondLst>
                       <p:childTnLst>
                         <p:par>
-                          <p:cTn id="10" fill="hold">
+                          <p:cTn id="8" fill="hold">
                             <p:stCondLst>
                               <p:cond delay="0"/>
                             </p:stCondLst>
                             <p:childTnLst>
                               <p:par>
-                                <p:cTn id="11" presetID="1" presetClass="entr" presetSubtype="0" fill="hold" grpId="0" nodeType="clickEffect">
+                                <p:cTn id="9" presetID="1" presetClass="entr" presetSubtype="0" fill="hold" grpId="0" nodeType="clickEffect">
                                   <p:stCondLst>
                                     <p:cond delay="0"/>
                                   </p:stCondLst>
                                   <p:childTnLst>
                                     <p:set>
                                       <p:cBhvr>
-                                        <p:cTn id="12" dur="1" fill="hold">
+                                        <p:cTn id="10" dur="1" fill="hold">
                                           <p:stCondLst>
                                             <p:cond delay="0"/>
                                           </p:stCondLst>
